--- a/以太坊教程/4_3_EVM简介.pptx
+++ b/以太坊教程/4_3_EVM简介.pptx
@@ -4507,7 +4507,7 @@
           <a:p>
             <a:r>
               <a:rPr lang="en-US" altLang="zh-CN" dirty="0" smtClean="0"/>
-              <a:t>2018.9</a:t>
+              <a:t>2018.10</a:t>
             </a:r>
             <a:endParaRPr lang="zh-CN" altLang="en-US" dirty="0"/>
           </a:p>
